--- a/workshop_02/Redes Neurais.pptx
+++ b/workshop_02/Redes Neurais.pptx
@@ -8659,7 +8659,84 @@
               </a:rPr>
               <a:t>https://towardsdatascience.com/mcculloch-pitts-model-5fdf65ac5dd1</a:t>
             </a:r>
+            <a:endParaRPr lang="pt-BR" sz="1200" u="sng" dirty="0">
+              <a:solidFill>
+                <a:schemeClr val="hlink"/>
+              </a:solidFill>
+            </a:endParaRPr>
+          </a:p>
+          <a:p>
+            <a:pPr algn="just">
+              <a:lnSpc>
+                <a:spcPct val="115000"/>
+              </a:lnSpc>
+              <a:buClr>
+                <a:schemeClr val="dk1"/>
+              </a:buClr>
+              <a:buSzPts val="1100"/>
+            </a:pPr>
+            <a:r>
+              <a:rPr lang="pt-BR" sz="1200" dirty="0">
+                <a:hlinkClick r:id="rId4"/>
+              </a:rPr>
+              <a:t>https://arxiv.org/abs/1506.02640</a:t>
+            </a:r>
+            <a:endParaRPr lang="pt-BR" sz="1200" u="sng" dirty="0">
+              <a:solidFill>
+                <a:schemeClr val="hlink"/>
+              </a:solidFill>
+            </a:endParaRPr>
+          </a:p>
+          <a:p>
+            <a:pPr algn="just">
+              <a:lnSpc>
+                <a:spcPct val="115000"/>
+              </a:lnSpc>
+              <a:buClr>
+                <a:schemeClr val="dk1"/>
+              </a:buClr>
+              <a:buSzPts val="1100"/>
+            </a:pPr>
+            <a:r>
+              <a:rPr lang="pt-BR" sz="1200" dirty="0">
+                <a:hlinkClick r:id="rId5"/>
+              </a:rPr>
+              <a:t>https://arxiv.org/abs/2410.17725</a:t>
+            </a:r>
             <a:endParaRPr lang="pt-BR" sz="1200" dirty="0"/>
+          </a:p>
+          <a:p>
+            <a:pPr marL="0" lvl="0" indent="0" algn="just" rtl="0">
+              <a:lnSpc>
+                <a:spcPct val="115000"/>
+              </a:lnSpc>
+              <a:spcBef>
+                <a:spcPts val="0"/>
+              </a:spcBef>
+              <a:spcAft>
+                <a:spcPts val="0"/>
+              </a:spcAft>
+              <a:buClr>
+                <a:schemeClr val="dk1"/>
+              </a:buClr>
+              <a:buSzPts val="1100"/>
+              <a:buFont typeface="Arial"/>
+              <a:buNone/>
+            </a:pPr>
+            <a:r>
+              <a:rPr lang="pt-BR" sz="1200" dirty="0">
+                <a:solidFill>
+                  <a:schemeClr val="dk1"/>
+                </a:solidFill>
+                <a:hlinkClick r:id="rId6"/>
+              </a:rPr>
+              <a:t>https://universe.roboflow.com/firza-ichlasul-amal-ariansyah-s2ql8/ripeness-apple</a:t>
+            </a:r>
+            <a:endParaRPr lang="pt-BR" sz="1200" dirty="0">
+              <a:solidFill>
+                <a:schemeClr val="dk1"/>
+              </a:solidFill>
+            </a:endParaRPr>
           </a:p>
           <a:p>
             <a:pPr marL="0" lvl="0" indent="0" algn="just" rtl="0">
@@ -8694,7 +8771,7 @@
           <p:nvPr/>
         </p:nvPicPr>
         <p:blipFill rotWithShape="1">
-          <a:blip r:embed="rId4">
+          <a:blip r:embed="rId7">
             <a:alphaModFix/>
           </a:blip>
           <a:srcRect/>
